--- a/presentation.pptx
+++ b/presentation.pptx
@@ -7,13 +7,14 @@
   <p:sldIdLst>
     <p:sldId id="256" r:id="rId2"/>
     <p:sldId id="257" r:id="rId3"/>
-    <p:sldId id="258" r:id="rId4"/>
-    <p:sldId id="259" r:id="rId5"/>
-    <p:sldId id="260" r:id="rId6"/>
-    <p:sldId id="261" r:id="rId7"/>
-    <p:sldId id="262" r:id="rId8"/>
-    <p:sldId id="263" r:id="rId9"/>
-    <p:sldId id="264" r:id="rId10"/>
+    <p:sldId id="265" r:id="rId4"/>
+    <p:sldId id="260" r:id="rId5"/>
+    <p:sldId id="261" r:id="rId6"/>
+    <p:sldId id="258" r:id="rId7"/>
+    <p:sldId id="259" r:id="rId8"/>
+    <p:sldId id="262" r:id="rId9"/>
+    <p:sldId id="263" r:id="rId10"/>
+    <p:sldId id="264" r:id="rId11"/>
   </p:sldIdLst>
   <p:sldSz cx="12192000" cy="6858000"/>
   <p:notesSz cx="6858000" cy="9144000"/>
@@ -112,6 +113,11 @@
       </a:defRPr>
     </a:lvl9pPr>
   </p:defaultTextStyle>
+  <p:extLst>
+    <p:ext uri="{EFAFB233-063F-42B5-8137-9DF3F51BA10A}">
+      <p15:sldGuideLst xmlns:p15="http://schemas.microsoft.com/office/powerpoint/2012/main"/>
+    </p:ext>
+  </p:extLst>
 </p:presentation>
 </file>
 
@@ -3029,6 +3035,77 @@
 </p:sld>
 </file>
 
+<file path=ppt/slides/slide10.xml><?xml version="1.0" encoding="utf-8"?>
+<p:sld xmlns:a="http://schemas.openxmlformats.org/drawingml/2006/main" xmlns:r="http://schemas.openxmlformats.org/officeDocument/2006/relationships" xmlns:p="http://schemas.openxmlformats.org/presentationml/2006/main">
+  <p:cSld>
+    <p:spTree>
+      <p:nvGrpSpPr>
+        <p:cNvPr id="1" name=""/>
+        <p:cNvGrpSpPr/>
+        <p:nvPr/>
+      </p:nvGrpSpPr>
+      <p:grpSpPr>
+        <a:xfrm>
+          <a:off x="0" y="0"/>
+          <a:ext cx="0" cy="0"/>
+          <a:chOff x="0" y="0"/>
+          <a:chExt cx="0" cy="0"/>
+        </a:xfrm>
+      </p:grpSpPr>
+      <p:sp>
+        <p:nvSpPr>
+          <p:cNvPr id="2" name="Title 1"/>
+          <p:cNvSpPr>
+            <a:spLocks noGrp="1"/>
+          </p:cNvSpPr>
+          <p:nvPr>
+            <p:ph type="title"/>
+          </p:nvPr>
+        </p:nvSpPr>
+        <p:spPr/>
+        <p:txBody>
+          <a:bodyPr/>
+          <a:lstStyle/>
+          <a:p>
+            <a:r>
+              <a:rPr lang="pt-BR" dirty="0"/>
+              <a:t>References</a:t>
+            </a:r>
+          </a:p>
+        </p:txBody>
+      </p:sp>
+      <p:sp>
+        <p:nvSpPr>
+          <p:cNvPr id="3" name="Content Placeholder 2"/>
+          <p:cNvSpPr>
+            <a:spLocks noGrp="1"/>
+          </p:cNvSpPr>
+          <p:nvPr>
+            <p:ph idx="1"/>
+          </p:nvPr>
+        </p:nvSpPr>
+        <p:spPr/>
+        <p:txBody>
+          <a:bodyPr/>
+          <a:lstStyle/>
+          <a:p>
+            <a:endParaRPr lang="pt-BR"/>
+          </a:p>
+        </p:txBody>
+      </p:sp>
+    </p:spTree>
+    <p:extLst>
+      <p:ext uri="{BB962C8B-B14F-4D97-AF65-F5344CB8AC3E}">
+        <p14:creationId xmlns:p14="http://schemas.microsoft.com/office/powerpoint/2010/main" val="2199208046"/>
+      </p:ext>
+    </p:extLst>
+  </p:cSld>
+  <p:clrMapOvr>
+    <a:masterClrMapping/>
+  </p:clrMapOvr>
+</p:sld>
+</file>
+
 <file path=ppt/slides/slide2.xml><?xml version="1.0" encoding="utf-8"?>
 <p:sld xmlns:a="http://schemas.openxmlformats.org/drawingml/2006/main" xmlns:r="http://schemas.openxmlformats.org/officeDocument/2006/relationships" xmlns:p="http://schemas.openxmlformats.org/presentationml/2006/main">
   <p:cSld>
@@ -3085,6 +3162,18 @@
           <a:p>
             <a:r>
               <a:rPr lang="pt-BR" dirty="0"/>
+              <a:t>Research Domain / Problem</a:t>
+            </a:r>
+          </a:p>
+          <a:p>
+            <a:r>
+              <a:rPr lang="pt-BR" dirty="0"/>
+              <a:t>Indoor Navigation Related Work</a:t>
+            </a:r>
+          </a:p>
+          <a:p>
+            <a:r>
+              <a:rPr lang="pt-BR" dirty="0"/>
               <a:t>Overview</a:t>
             </a:r>
           </a:p>
@@ -3092,12 +3181,6 @@
             <a:r>
               <a:rPr lang="pt-BR" dirty="0"/>
               <a:t>Ontologies as Related Work</a:t>
-            </a:r>
-          </a:p>
-          <a:p>
-            <a:r>
-              <a:rPr lang="pt-BR" dirty="0"/>
-              <a:t>Indoor Navigation Related Work</a:t>
             </a:r>
           </a:p>
           <a:p>
@@ -3144,30 +3227,6 @@
           <a:chExt cx="0" cy="0"/>
         </a:xfrm>
       </p:grpSpPr>
-      <p:pic>
-        <p:nvPicPr>
-          <p:cNvPr id="6" name="Picture 5"/>
-          <p:cNvPicPr>
-            <a:picLocks noChangeAspect="1"/>
-          </p:cNvPicPr>
-          <p:nvPr/>
-        </p:nvPicPr>
-        <p:blipFill>
-          <a:blip r:embed="rId2"/>
-          <a:stretch>
-            <a:fillRect/>
-          </a:stretch>
-        </p:blipFill>
-        <p:spPr>
-          <a:xfrm>
-            <a:off x="4149969" y="2901890"/>
-            <a:ext cx="7926265" cy="3874641"/>
-          </a:xfrm>
-          <a:prstGeom prst="rect">
-            <a:avLst/>
-          </a:prstGeom>
-        </p:spPr>
-      </p:pic>
       <p:sp>
         <p:nvSpPr>
           <p:cNvPr id="2" name="Title 1"/>
@@ -3185,14 +3244,14 @@
           <a:p>
             <a:r>
               <a:rPr lang="pt-BR" dirty="0"/>
-              <a:t>Overview</a:t>
-            </a:r>
-          </a:p>
-        </p:txBody>
-      </p:sp>
-      <p:sp>
-        <p:nvSpPr>
-          <p:cNvPr id="5" name="Content Placeholder 4"/>
+              <a:t>Research Domain / Problem</a:t>
+            </a:r>
+          </a:p>
+        </p:txBody>
+      </p:sp>
+      <p:sp>
+        <p:nvSpPr>
+          <p:cNvPr id="3" name="Content Placeholder 2"/>
           <p:cNvSpPr>
             <a:spLocks noGrp="1"/>
           </p:cNvSpPr>
@@ -3200,77 +3259,34 @@
             <p:ph idx="1"/>
           </p:nvPr>
         </p:nvSpPr>
-        <p:spPr>
-          <a:xfrm>
-            <a:off x="823546" y="1843209"/>
-            <a:ext cx="10515600" cy="4351338"/>
-          </a:xfrm>
-        </p:spPr>
+        <p:spPr/>
         <p:txBody>
           <a:bodyPr/>
           <a:lstStyle/>
           <a:p>
             <a:r>
               <a:rPr lang="pt-BR" dirty="0"/>
-              <a:t>Object Representation as Features</a:t>
+              <a:t>Using Computer Vision to build assistive indoor navigation tecnologies</a:t>
             </a:r>
           </a:p>
           <a:p>
             <a:r>
               <a:rPr lang="pt-BR" dirty="0"/>
-              <a:t>Object Hierarchy:</a:t>
-            </a:r>
-          </a:p>
-          <a:p>
-            <a:pPr lvl="1"/>
+              <a:t>Too many variables, and ways to achieve similar results</a:t>
+            </a:r>
+          </a:p>
+          <a:p>
             <a:r>
               <a:rPr lang="pt-BR" dirty="0"/>
-              <a:t>Landmarks</a:t>
-            </a:r>
-          </a:p>
-          <a:p>
-            <a:pPr lvl="1"/>
-            <a:r>
-              <a:rPr lang="pt-BR" dirty="0"/>
-              <a:t>Obstacles</a:t>
-            </a:r>
-          </a:p>
-          <a:p>
-            <a:r>
-              <a:rPr lang="pt-BR" dirty="0"/>
-              <a:t>Computer Vision Algorithms</a:t>
-            </a:r>
-          </a:p>
-          <a:p>
-            <a:pPr lvl="1"/>
-            <a:r>
-              <a:rPr lang="pt-BR" dirty="0"/>
-              <a:t>Extraction</a:t>
-            </a:r>
-          </a:p>
-          <a:p>
-            <a:pPr lvl="1"/>
-            <a:r>
-              <a:rPr lang="pt-BR" dirty="0"/>
-              <a:t>Detection</a:t>
-            </a:r>
-          </a:p>
-          <a:p>
-            <a:pPr lvl="1"/>
-            <a:r>
-              <a:rPr lang="pt-BR" dirty="0"/>
-              <a:t>Recognition</a:t>
-            </a:r>
-          </a:p>
-          <a:p>
-            <a:endParaRPr lang="pt-BR" dirty="0"/>
+              <a:t>Combine algorithms to achieve obstacle detection and landmark identification</a:t>
+            </a:r>
           </a:p>
         </p:txBody>
       </p:sp>
     </p:spTree>
     <p:extLst>
       <p:ext uri="{BB962C8B-B14F-4D97-AF65-F5344CB8AC3E}">
-        <p14:creationId xmlns:p14="http://schemas.microsoft.com/office/powerpoint/2010/main" val="3940252836"/>
+        <p14:creationId xmlns:p14="http://schemas.microsoft.com/office/powerpoint/2010/main" val="2642213236"/>
       </p:ext>
     </p:extLst>
   </p:cSld>
@@ -3314,77 +3330,6 @@
           <a:p>
             <a:r>
               <a:rPr lang="pt-BR" dirty="0"/>
-              <a:t>Ontologies as Related Work</a:t>
-            </a:r>
-          </a:p>
-        </p:txBody>
-      </p:sp>
-      <p:sp>
-        <p:nvSpPr>
-          <p:cNvPr id="3" name="Content Placeholder 2"/>
-          <p:cNvSpPr>
-            <a:spLocks noGrp="1"/>
-          </p:cNvSpPr>
-          <p:nvPr>
-            <p:ph idx="1"/>
-          </p:nvPr>
-        </p:nvSpPr>
-        <p:spPr/>
-        <p:txBody>
-          <a:bodyPr/>
-          <a:lstStyle/>
-          <a:p>
-            <a:endParaRPr lang="pt-BR"/>
-          </a:p>
-        </p:txBody>
-      </p:sp>
-    </p:spTree>
-    <p:extLst>
-      <p:ext uri="{BB962C8B-B14F-4D97-AF65-F5344CB8AC3E}">
-        <p14:creationId xmlns:p14="http://schemas.microsoft.com/office/powerpoint/2010/main" val="3324342331"/>
-      </p:ext>
-    </p:extLst>
-  </p:cSld>
-  <p:clrMapOvr>
-    <a:masterClrMapping/>
-  </p:clrMapOvr>
-</p:sld>
-</file>
-
-<file path=ppt/slides/slide5.xml><?xml version="1.0" encoding="utf-8"?>
-<p:sld xmlns:a="http://schemas.openxmlformats.org/drawingml/2006/main" xmlns:r="http://schemas.openxmlformats.org/officeDocument/2006/relationships" xmlns:p="http://schemas.openxmlformats.org/presentationml/2006/main">
-  <p:cSld>
-    <p:spTree>
-      <p:nvGrpSpPr>
-        <p:cNvPr id="1" name=""/>
-        <p:cNvGrpSpPr/>
-        <p:nvPr/>
-      </p:nvGrpSpPr>
-      <p:grpSpPr>
-        <a:xfrm>
-          <a:off x="0" y="0"/>
-          <a:ext cx="0" cy="0"/>
-          <a:chOff x="0" y="0"/>
-          <a:chExt cx="0" cy="0"/>
-        </a:xfrm>
-      </p:grpSpPr>
-      <p:sp>
-        <p:nvSpPr>
-          <p:cNvPr id="2" name="Title 1"/>
-          <p:cNvSpPr>
-            <a:spLocks noGrp="1"/>
-          </p:cNvSpPr>
-          <p:nvPr>
-            <p:ph type="title"/>
-          </p:nvPr>
-        </p:nvSpPr>
-        <p:spPr/>
-        <p:txBody>
-          <a:bodyPr/>
-          <a:lstStyle/>
-          <a:p>
-            <a:r>
-              <a:rPr lang="pt-BR" dirty="0"/>
               <a:t>Indoor Navigation Related Work</a:t>
             </a:r>
           </a:p>
@@ -3443,7 +3388,7 @@
 </p:sld>
 </file>
 
-<file path=ppt/slides/slide6.xml><?xml version="1.0" encoding="utf-8"?>
+<file path=ppt/slides/slide5.xml><?xml version="1.0" encoding="utf-8"?>
 <p:sld xmlns:a="http://schemas.openxmlformats.org/drawingml/2006/main" xmlns:r="http://schemas.openxmlformats.org/officeDocument/2006/relationships" xmlns:p="http://schemas.openxmlformats.org/presentationml/2006/main">
   <p:cSld>
     <p:spTree>
@@ -3586,6 +3531,159 @@
 </p:sld>
 </file>
 
+<file path=ppt/slides/slide6.xml><?xml version="1.0" encoding="utf-8"?>
+<p:sld xmlns:a="http://schemas.openxmlformats.org/drawingml/2006/main" xmlns:r="http://schemas.openxmlformats.org/officeDocument/2006/relationships" xmlns:p="http://schemas.openxmlformats.org/presentationml/2006/main">
+  <p:cSld>
+    <p:spTree>
+      <p:nvGrpSpPr>
+        <p:cNvPr id="1" name=""/>
+        <p:cNvGrpSpPr/>
+        <p:nvPr/>
+      </p:nvGrpSpPr>
+      <p:grpSpPr>
+        <a:xfrm>
+          <a:off x="0" y="0"/>
+          <a:ext cx="0" cy="0"/>
+          <a:chOff x="0" y="0"/>
+          <a:chExt cx="0" cy="0"/>
+        </a:xfrm>
+      </p:grpSpPr>
+      <p:pic>
+        <p:nvPicPr>
+          <p:cNvPr id="6" name="Picture 5"/>
+          <p:cNvPicPr>
+            <a:picLocks noChangeAspect="1"/>
+          </p:cNvPicPr>
+          <p:nvPr/>
+        </p:nvPicPr>
+        <p:blipFill>
+          <a:blip r:embed="rId2"/>
+          <a:stretch>
+            <a:fillRect/>
+          </a:stretch>
+        </p:blipFill>
+        <p:spPr>
+          <a:xfrm>
+            <a:off x="4688680" y="3165231"/>
+            <a:ext cx="7387554" cy="3611300"/>
+          </a:xfrm>
+          <a:prstGeom prst="rect">
+            <a:avLst/>
+          </a:prstGeom>
+        </p:spPr>
+      </p:pic>
+      <p:sp>
+        <p:nvSpPr>
+          <p:cNvPr id="2" name="Title 1"/>
+          <p:cNvSpPr>
+            <a:spLocks noGrp="1"/>
+          </p:cNvSpPr>
+          <p:nvPr>
+            <p:ph type="title"/>
+          </p:nvPr>
+        </p:nvSpPr>
+        <p:spPr/>
+        <p:txBody>
+          <a:bodyPr/>
+          <a:lstStyle/>
+          <a:p>
+            <a:r>
+              <a:rPr lang="pt-BR" dirty="0"/>
+              <a:t>Overview</a:t>
+            </a:r>
+          </a:p>
+        </p:txBody>
+      </p:sp>
+      <p:sp>
+        <p:nvSpPr>
+          <p:cNvPr id="5" name="Content Placeholder 4"/>
+          <p:cNvSpPr>
+            <a:spLocks noGrp="1"/>
+          </p:cNvSpPr>
+          <p:nvPr>
+            <p:ph idx="1"/>
+          </p:nvPr>
+        </p:nvSpPr>
+        <p:spPr>
+          <a:xfrm>
+            <a:off x="823546" y="1843209"/>
+            <a:ext cx="10515600" cy="4351338"/>
+          </a:xfrm>
+        </p:spPr>
+        <p:txBody>
+          <a:bodyPr/>
+          <a:lstStyle/>
+          <a:p>
+            <a:r>
+              <a:rPr lang="pt-BR" dirty="0"/>
+              <a:t>Object Representation as Features</a:t>
+            </a:r>
+          </a:p>
+          <a:p>
+            <a:r>
+              <a:rPr lang="pt-BR" dirty="0"/>
+              <a:t>Object Hierarchy:</a:t>
+            </a:r>
+          </a:p>
+          <a:p>
+            <a:pPr lvl="1"/>
+            <a:r>
+              <a:rPr lang="pt-BR" dirty="0"/>
+              <a:t>Landmarks</a:t>
+            </a:r>
+          </a:p>
+          <a:p>
+            <a:pPr lvl="1"/>
+            <a:r>
+              <a:rPr lang="pt-BR" dirty="0"/>
+              <a:t>Obstacles</a:t>
+            </a:r>
+          </a:p>
+          <a:p>
+            <a:r>
+              <a:rPr lang="pt-BR" dirty="0"/>
+              <a:t>Computer Vision Algorithms</a:t>
+            </a:r>
+          </a:p>
+          <a:p>
+            <a:pPr lvl="1"/>
+            <a:r>
+              <a:rPr lang="pt-BR" dirty="0"/>
+              <a:t>Extraction</a:t>
+            </a:r>
+          </a:p>
+          <a:p>
+            <a:pPr lvl="1"/>
+            <a:r>
+              <a:rPr lang="pt-BR" dirty="0"/>
+              <a:t>Detection</a:t>
+            </a:r>
+          </a:p>
+          <a:p>
+            <a:pPr lvl="1"/>
+            <a:r>
+              <a:rPr lang="pt-BR" dirty="0"/>
+              <a:t>Recognition</a:t>
+            </a:r>
+          </a:p>
+          <a:p>
+            <a:endParaRPr lang="pt-BR" dirty="0"/>
+          </a:p>
+        </p:txBody>
+      </p:sp>
+    </p:spTree>
+    <p:extLst>
+      <p:ext uri="{BB962C8B-B14F-4D97-AF65-F5344CB8AC3E}">
+        <p14:creationId xmlns:p14="http://schemas.microsoft.com/office/powerpoint/2010/main" val="3940252836"/>
+      </p:ext>
+    </p:extLst>
+  </p:cSld>
+  <p:clrMapOvr>
+    <a:masterClrMapping/>
+  </p:clrMapOvr>
+</p:sld>
+</file>
+
 <file path=ppt/slides/slide7.xml><?xml version="1.0" encoding="utf-8"?>
 <p:sld xmlns:a="http://schemas.openxmlformats.org/drawingml/2006/main" xmlns:r="http://schemas.openxmlformats.org/officeDocument/2006/relationships" xmlns:p="http://schemas.openxmlformats.org/presentationml/2006/main">
   <p:cSld>
@@ -3620,7 +3718,7 @@
           <a:p>
             <a:r>
               <a:rPr lang="pt-BR" dirty="0"/>
-              <a:t>Proposed Ontology</a:t>
+              <a:t>Ontologies as Related Work</a:t>
             </a:r>
           </a:p>
         </p:txBody>
@@ -3647,7 +3745,7 @@
     </p:spTree>
     <p:extLst>
       <p:ext uri="{BB962C8B-B14F-4D97-AF65-F5344CB8AC3E}">
-        <p14:creationId xmlns:p14="http://schemas.microsoft.com/office/powerpoint/2010/main" val="472505819"/>
+        <p14:creationId xmlns:p14="http://schemas.microsoft.com/office/powerpoint/2010/main" val="3324342331"/>
       </p:ext>
     </p:extLst>
   </p:cSld>
@@ -3691,7 +3789,7 @@
           <a:p>
             <a:r>
               <a:rPr lang="pt-BR" dirty="0"/>
-              <a:t>Conclusion</a:t>
+              <a:t>Proposed Ontology</a:t>
             </a:r>
           </a:p>
         </p:txBody>
@@ -3718,7 +3816,7 @@
     </p:spTree>
     <p:extLst>
       <p:ext uri="{BB962C8B-B14F-4D97-AF65-F5344CB8AC3E}">
-        <p14:creationId xmlns:p14="http://schemas.microsoft.com/office/powerpoint/2010/main" val="666543263"/>
+        <p14:creationId xmlns:p14="http://schemas.microsoft.com/office/powerpoint/2010/main" val="472505819"/>
       </p:ext>
     </p:extLst>
   </p:cSld>
@@ -3762,7 +3860,7 @@
           <a:p>
             <a:r>
               <a:rPr lang="pt-BR" dirty="0"/>
-              <a:t>References</a:t>
+              <a:t>Conclusion</a:t>
             </a:r>
           </a:p>
         </p:txBody>
@@ -3789,7 +3887,7 @@
     </p:spTree>
     <p:extLst>
       <p:ext uri="{BB962C8B-B14F-4D97-AF65-F5344CB8AC3E}">
-        <p14:creationId xmlns:p14="http://schemas.microsoft.com/office/powerpoint/2010/main" val="2199208046"/>
+        <p14:creationId xmlns:p14="http://schemas.microsoft.com/office/powerpoint/2010/main" val="666543263"/>
       </p:ext>
     </p:extLst>
   </p:cSld>

--- a/presentation.pptx
+++ b/presentation.pptx
@@ -10,11 +10,15 @@
     <p:sldId id="265" r:id="rId4"/>
     <p:sldId id="260" r:id="rId5"/>
     <p:sldId id="261" r:id="rId6"/>
-    <p:sldId id="258" r:id="rId7"/>
-    <p:sldId id="259" r:id="rId8"/>
-    <p:sldId id="262" r:id="rId9"/>
-    <p:sldId id="263" r:id="rId10"/>
-    <p:sldId id="264" r:id="rId11"/>
+    <p:sldId id="259" r:id="rId7"/>
+    <p:sldId id="266" r:id="rId8"/>
+    <p:sldId id="267" r:id="rId9"/>
+    <p:sldId id="258" r:id="rId10"/>
+    <p:sldId id="262" r:id="rId11"/>
+    <p:sldId id="269" r:id="rId12"/>
+    <p:sldId id="268" r:id="rId13"/>
+    <p:sldId id="263" r:id="rId14"/>
+    <p:sldId id="264" r:id="rId15"/>
   </p:sldIdLst>
   <p:sldSz cx="12192000" cy="6858000"/>
   <p:notesSz cx="6858000" cy="9144000"/>
@@ -3069,6 +3073,423 @@
           <a:p>
             <a:r>
               <a:rPr lang="pt-BR" dirty="0"/>
+              <a:t>Proposed Ontology</a:t>
+            </a:r>
+          </a:p>
+        </p:txBody>
+      </p:sp>
+      <p:sp>
+        <p:nvSpPr>
+          <p:cNvPr id="3" name="Content Placeholder 2"/>
+          <p:cNvSpPr>
+            <a:spLocks noGrp="1"/>
+          </p:cNvSpPr>
+          <p:nvPr>
+            <p:ph idx="1"/>
+          </p:nvPr>
+        </p:nvSpPr>
+        <p:spPr/>
+        <p:txBody>
+          <a:bodyPr/>
+          <a:lstStyle/>
+          <a:p>
+            <a:endParaRPr lang="pt-BR"/>
+          </a:p>
+        </p:txBody>
+      </p:sp>
+    </p:spTree>
+    <p:extLst>
+      <p:ext uri="{BB962C8B-B14F-4D97-AF65-F5344CB8AC3E}">
+        <p14:creationId xmlns:p14="http://schemas.microsoft.com/office/powerpoint/2010/main" val="472505819"/>
+      </p:ext>
+    </p:extLst>
+  </p:cSld>
+  <p:clrMapOvr>
+    <a:masterClrMapping/>
+  </p:clrMapOvr>
+</p:sld>
+</file>
+
+<file path=ppt/slides/slide11.xml><?xml version="1.0" encoding="utf-8"?>
+<p:sld xmlns:a="http://schemas.openxmlformats.org/drawingml/2006/main" xmlns:r="http://schemas.openxmlformats.org/officeDocument/2006/relationships" xmlns:p="http://schemas.openxmlformats.org/presentationml/2006/main">
+  <p:cSld>
+    <p:spTree>
+      <p:nvGrpSpPr>
+        <p:cNvPr id="1" name=""/>
+        <p:cNvGrpSpPr/>
+        <p:nvPr/>
+      </p:nvGrpSpPr>
+      <p:grpSpPr>
+        <a:xfrm>
+          <a:off x="0" y="0"/>
+          <a:ext cx="0" cy="0"/>
+          <a:chOff x="0" y="0"/>
+          <a:chExt cx="0" cy="0"/>
+        </a:xfrm>
+      </p:grpSpPr>
+      <p:sp>
+        <p:nvSpPr>
+          <p:cNvPr id="2" name="Title 1"/>
+          <p:cNvSpPr>
+            <a:spLocks noGrp="1"/>
+          </p:cNvSpPr>
+          <p:nvPr>
+            <p:ph type="title"/>
+          </p:nvPr>
+        </p:nvSpPr>
+        <p:spPr/>
+        <p:txBody>
+          <a:bodyPr/>
+          <a:lstStyle/>
+          <a:p>
+            <a:r>
+              <a:rPr lang="pt-BR" dirty="0"/>
+              <a:t>Object Properties</a:t>
+            </a:r>
+          </a:p>
+        </p:txBody>
+      </p:sp>
+      <p:sp>
+        <p:nvSpPr>
+          <p:cNvPr id="3" name="Content Placeholder 2"/>
+          <p:cNvSpPr>
+            <a:spLocks noGrp="1"/>
+          </p:cNvSpPr>
+          <p:nvPr>
+            <p:ph idx="1"/>
+          </p:nvPr>
+        </p:nvSpPr>
+        <p:spPr/>
+        <p:txBody>
+          <a:bodyPr>
+            <a:normAutofit/>
+          </a:bodyPr>
+          <a:lstStyle/>
+          <a:p>
+            <a:r>
+              <a:rPr lang="pt-BR" dirty="0"/>
+              <a:t>detectFeature (Detect – Feature)</a:t>
+            </a:r>
+          </a:p>
+          <a:p>
+            <a:pPr lvl="1"/>
+            <a:r>
+              <a:rPr lang="pt-BR" dirty="0"/>
+              <a:t>detectColor</a:t>
+            </a:r>
+          </a:p>
+          <a:p>
+            <a:pPr lvl="1"/>
+            <a:r>
+              <a:rPr lang="pt-BR" dirty="0"/>
+              <a:t>detectShapes</a:t>
+            </a:r>
+          </a:p>
+          <a:p>
+            <a:r>
+              <a:rPr lang="pt-BR" dirty="0"/>
+              <a:t>hasFeature (Object – Feature)</a:t>
+            </a:r>
+          </a:p>
+          <a:p>
+            <a:pPr lvl="1"/>
+            <a:r>
+              <a:rPr lang="pt-BR" dirty="0"/>
+              <a:t>hasColor</a:t>
+            </a:r>
+          </a:p>
+          <a:p>
+            <a:pPr lvl="1"/>
+            <a:r>
+              <a:rPr lang="pt-BR" dirty="0"/>
+              <a:t>hasShape</a:t>
+            </a:r>
+          </a:p>
+          <a:p>
+            <a:r>
+              <a:rPr lang="pt-BR" dirty="0"/>
+              <a:t>reconigzes (Recognition – Object)</a:t>
+            </a:r>
+          </a:p>
+        </p:txBody>
+      </p:sp>
+    </p:spTree>
+    <p:extLst>
+      <p:ext uri="{BB962C8B-B14F-4D97-AF65-F5344CB8AC3E}">
+        <p14:creationId xmlns:p14="http://schemas.microsoft.com/office/powerpoint/2010/main" val="2459486703"/>
+      </p:ext>
+    </p:extLst>
+  </p:cSld>
+  <p:clrMapOvr>
+    <a:masterClrMapping/>
+  </p:clrMapOvr>
+</p:sld>
+</file>
+
+<file path=ppt/slides/slide12.xml><?xml version="1.0" encoding="utf-8"?>
+<p:sld xmlns:a="http://schemas.openxmlformats.org/drawingml/2006/main" xmlns:r="http://schemas.openxmlformats.org/officeDocument/2006/relationships" xmlns:p="http://schemas.openxmlformats.org/presentationml/2006/main">
+  <p:cSld>
+    <p:spTree>
+      <p:nvGrpSpPr>
+        <p:cNvPr id="1" name=""/>
+        <p:cNvGrpSpPr/>
+        <p:nvPr/>
+      </p:nvGrpSpPr>
+      <p:grpSpPr>
+        <a:xfrm>
+          <a:off x="0" y="0"/>
+          <a:ext cx="0" cy="0"/>
+          <a:chOff x="0" y="0"/>
+          <a:chExt cx="0" cy="0"/>
+        </a:xfrm>
+      </p:grpSpPr>
+      <p:sp>
+        <p:nvSpPr>
+          <p:cNvPr id="2" name="Title 1"/>
+          <p:cNvSpPr>
+            <a:spLocks noGrp="1"/>
+          </p:cNvSpPr>
+          <p:nvPr>
+            <p:ph type="title"/>
+          </p:nvPr>
+        </p:nvSpPr>
+        <p:spPr/>
+        <p:txBody>
+          <a:bodyPr/>
+          <a:lstStyle/>
+          <a:p>
+            <a:r>
+              <a:rPr lang="pt-BR" dirty="0"/>
+              <a:t>Individuals</a:t>
+            </a:r>
+          </a:p>
+        </p:txBody>
+      </p:sp>
+      <p:sp>
+        <p:nvSpPr>
+          <p:cNvPr id="3" name="Content Placeholder 2"/>
+          <p:cNvSpPr>
+            <a:spLocks noGrp="1"/>
+          </p:cNvSpPr>
+          <p:nvPr>
+            <p:ph idx="1"/>
+          </p:nvPr>
+        </p:nvSpPr>
+        <p:spPr/>
+        <p:txBody>
+          <a:bodyPr>
+            <a:normAutofit lnSpcReduction="10000"/>
+          </a:bodyPr>
+          <a:lstStyle/>
+          <a:p>
+            <a:r>
+              <a:rPr lang="pt-BR" dirty="0"/>
+              <a:t>Algoritmos conhecidos / utilizados nos trabalhos relacionados</a:t>
+            </a:r>
+          </a:p>
+          <a:p>
+            <a:pPr lvl="1"/>
+            <a:r>
+              <a:rPr lang="pt-BR" dirty="0"/>
+              <a:t>Canny Edge Detection</a:t>
+            </a:r>
+          </a:p>
+          <a:p>
+            <a:pPr lvl="1"/>
+            <a:r>
+              <a:rPr lang="pt-BR" dirty="0"/>
+              <a:t>Bag of Visual Words</a:t>
+            </a:r>
+          </a:p>
+          <a:p>
+            <a:pPr lvl="1"/>
+            <a:r>
+              <a:rPr lang="pt-BR" dirty="0"/>
+              <a:t>Speed up robust features</a:t>
+            </a:r>
+          </a:p>
+          <a:p>
+            <a:r>
+              <a:rPr lang="pt-BR" dirty="0"/>
+              <a:t>Tipos de características distintas</a:t>
+            </a:r>
+          </a:p>
+          <a:p>
+            <a:pPr lvl="1"/>
+            <a:r>
+              <a:rPr lang="pt-BR" dirty="0"/>
+              <a:t>Bordas</a:t>
+            </a:r>
+          </a:p>
+          <a:p>
+            <a:pPr lvl="1"/>
+            <a:r>
+              <a:rPr lang="pt-BR" dirty="0"/>
+              <a:t>Uma única cor, várias cores, texturas</a:t>
+            </a:r>
+          </a:p>
+          <a:p>
+            <a:pPr lvl="1"/>
+            <a:r>
+              <a:rPr lang="pt-BR" dirty="0"/>
+              <a:t>Formatos, oval, triangular, retangular, etc</a:t>
+            </a:r>
+          </a:p>
+          <a:p>
+            <a:r>
+              <a:rPr lang="pt-BR" dirty="0"/>
+              <a:t>Objetos</a:t>
+            </a:r>
+          </a:p>
+          <a:p>
+            <a:pPr lvl="1"/>
+            <a:r>
+              <a:rPr lang="pt-BR" dirty="0"/>
+              <a:t>Placas de direção, ou nomes de sala</a:t>
+            </a:r>
+          </a:p>
+          <a:p>
+            <a:pPr lvl="1"/>
+            <a:r>
+              <a:rPr lang="pt-BR" dirty="0"/>
+              <a:t>Portas, entre outros</a:t>
+            </a:r>
+          </a:p>
+        </p:txBody>
+      </p:sp>
+    </p:spTree>
+    <p:extLst>
+      <p:ext uri="{BB962C8B-B14F-4D97-AF65-F5344CB8AC3E}">
+        <p14:creationId xmlns:p14="http://schemas.microsoft.com/office/powerpoint/2010/main" val="3021596122"/>
+      </p:ext>
+    </p:extLst>
+  </p:cSld>
+  <p:clrMapOvr>
+    <a:masterClrMapping/>
+  </p:clrMapOvr>
+</p:sld>
+</file>
+
+<file path=ppt/slides/slide13.xml><?xml version="1.0" encoding="utf-8"?>
+<p:sld xmlns:a="http://schemas.openxmlformats.org/drawingml/2006/main" xmlns:r="http://schemas.openxmlformats.org/officeDocument/2006/relationships" xmlns:p="http://schemas.openxmlformats.org/presentationml/2006/main">
+  <p:cSld>
+    <p:spTree>
+      <p:nvGrpSpPr>
+        <p:cNvPr id="1" name=""/>
+        <p:cNvGrpSpPr/>
+        <p:nvPr/>
+      </p:nvGrpSpPr>
+      <p:grpSpPr>
+        <a:xfrm>
+          <a:off x="0" y="0"/>
+          <a:ext cx="0" cy="0"/>
+          <a:chOff x="0" y="0"/>
+          <a:chExt cx="0" cy="0"/>
+        </a:xfrm>
+      </p:grpSpPr>
+      <p:sp>
+        <p:nvSpPr>
+          <p:cNvPr id="2" name="Title 1"/>
+          <p:cNvSpPr>
+            <a:spLocks noGrp="1"/>
+          </p:cNvSpPr>
+          <p:nvPr>
+            <p:ph type="title"/>
+          </p:nvPr>
+        </p:nvSpPr>
+        <p:spPr/>
+        <p:txBody>
+          <a:bodyPr/>
+          <a:lstStyle/>
+          <a:p>
+            <a:r>
+              <a:rPr lang="pt-BR" dirty="0"/>
+              <a:t>Conclusion</a:t>
+            </a:r>
+          </a:p>
+        </p:txBody>
+      </p:sp>
+      <p:sp>
+        <p:nvSpPr>
+          <p:cNvPr id="3" name="Content Placeholder 2"/>
+          <p:cNvSpPr>
+            <a:spLocks noGrp="1"/>
+          </p:cNvSpPr>
+          <p:nvPr>
+            <p:ph idx="1"/>
+          </p:nvPr>
+        </p:nvSpPr>
+        <p:spPr/>
+        <p:txBody>
+          <a:bodyPr/>
+          <a:lstStyle/>
+          <a:p>
+            <a:r>
+              <a:rPr lang="pt-BR" dirty="0"/>
+              <a:t>Overview of computer vision practices for obstacle and landmark detection and recognition</a:t>
+            </a:r>
+          </a:p>
+          <a:p>
+            <a:r>
+              <a:rPr lang="pt-BR" dirty="0"/>
+              <a:t>Different solutions for the same problems encountered, and different results</a:t>
+            </a:r>
+          </a:p>
+          <a:p>
+            <a:r>
+              <a:rPr lang="pt-BR" dirty="0"/>
+              <a:t>Computer vision tasks are often hard because of different solutions to the same problem which might seem a little confusing</a:t>
+            </a:r>
+          </a:p>
+        </p:txBody>
+      </p:sp>
+    </p:spTree>
+    <p:extLst>
+      <p:ext uri="{BB962C8B-B14F-4D97-AF65-F5344CB8AC3E}">
+        <p14:creationId xmlns:p14="http://schemas.microsoft.com/office/powerpoint/2010/main" val="666543263"/>
+      </p:ext>
+    </p:extLst>
+  </p:cSld>
+  <p:clrMapOvr>
+    <a:masterClrMapping/>
+  </p:clrMapOvr>
+</p:sld>
+</file>
+
+<file path=ppt/slides/slide14.xml><?xml version="1.0" encoding="utf-8"?>
+<p:sld xmlns:a="http://schemas.openxmlformats.org/drawingml/2006/main" xmlns:r="http://schemas.openxmlformats.org/officeDocument/2006/relationships" xmlns:p="http://schemas.openxmlformats.org/presentationml/2006/main">
+  <p:cSld>
+    <p:spTree>
+      <p:nvGrpSpPr>
+        <p:cNvPr id="1" name=""/>
+        <p:cNvGrpSpPr/>
+        <p:nvPr/>
+      </p:nvGrpSpPr>
+      <p:grpSpPr>
+        <a:xfrm>
+          <a:off x="0" y="0"/>
+          <a:ext cx="0" cy="0"/>
+          <a:chOff x="0" y="0"/>
+          <a:chExt cx="0" cy="0"/>
+        </a:xfrm>
+      </p:grpSpPr>
+      <p:sp>
+        <p:nvSpPr>
+          <p:cNvPr id="2" name="Title 1"/>
+          <p:cNvSpPr>
+            <a:spLocks noGrp="1"/>
+          </p:cNvSpPr>
+          <p:nvPr>
+            <p:ph type="title"/>
+          </p:nvPr>
+        </p:nvSpPr>
+        <p:spPr/>
+        <p:txBody>
+          <a:bodyPr/>
+          <a:lstStyle/>
+          <a:p>
+            <a:r>
+              <a:rPr lang="pt-BR" dirty="0"/>
               <a:t>References</a:t>
             </a:r>
           </a:p>
@@ -3089,7 +3510,56 @@
           <a:bodyPr/>
           <a:lstStyle/>
           <a:p>
-            <a:endParaRPr lang="pt-BR"/>
+            <a:r>
+              <a:rPr lang="en-US" dirty="0"/>
+              <a:t>Romero Et Al 2011</a:t>
+            </a:r>
+          </a:p>
+          <a:p>
+            <a:r>
+              <a:rPr lang="en-US" dirty="0" err="1"/>
+              <a:t>Sriharee</a:t>
+            </a:r>
+            <a:r>
+              <a:rPr lang="en-US" dirty="0"/>
+              <a:t> 2015</a:t>
+            </a:r>
+          </a:p>
+          <a:p>
+            <a:r>
+              <a:rPr lang="pt-BR" dirty="0"/>
+              <a:t>Serrão Et Al 2012</a:t>
+            </a:r>
+          </a:p>
+          <a:p>
+            <a:r>
+              <a:rPr lang="pt-BR" dirty="0"/>
+              <a:t>Costa Et Al 2012</a:t>
+            </a:r>
+          </a:p>
+          <a:p>
+            <a:r>
+              <a:rPr lang="pt-BR" dirty="0"/>
+              <a:t>Tapu Et Al 2013</a:t>
+            </a:r>
+          </a:p>
+          <a:p>
+            <a:r>
+              <a:rPr lang="pt-BR" dirty="0"/>
+              <a:t>Jose Et Al 2011</a:t>
+            </a:r>
+          </a:p>
+          <a:p>
+            <a:r>
+              <a:rPr lang="pt-BR" dirty="0"/>
+              <a:t>Asad Et Al 2012</a:t>
+            </a:r>
+          </a:p>
+          <a:p>
+            <a:r>
+              <a:rPr lang="pt-BR" dirty="0"/>
+              <a:t> Moreno Et Al 2012</a:t>
+            </a:r>
           </a:p>
         </p:txBody>
       </p:sp>
@@ -3168,19 +3638,21 @@
           <a:p>
             <a:r>
               <a:rPr lang="pt-BR" dirty="0"/>
-              <a:t>Indoor Navigation Related Work</a:t>
-            </a:r>
-          </a:p>
-          <a:p>
-            <a:r>
-              <a:rPr lang="pt-BR" dirty="0"/>
-              <a:t>Overview</a:t>
-            </a:r>
-          </a:p>
-          <a:p>
-            <a:r>
-              <a:rPr lang="pt-BR" dirty="0"/>
-              <a:t>Ontologies as Related Work</a:t>
+              <a:t>Related Work</a:t>
+            </a:r>
+          </a:p>
+          <a:p>
+            <a:pPr lvl="1"/>
+            <a:r>
+              <a:rPr lang="pt-BR" dirty="0"/>
+              <a:t>Computer Vision</a:t>
+            </a:r>
+          </a:p>
+          <a:p>
+            <a:pPr lvl="1"/>
+            <a:r>
+              <a:rPr lang="pt-BR" dirty="0"/>
+              <a:t>Ontologies</a:t>
             </a:r>
           </a:p>
           <a:p>
@@ -3548,30 +4020,6 @@
           <a:chExt cx="0" cy="0"/>
         </a:xfrm>
       </p:grpSpPr>
-      <p:pic>
-        <p:nvPicPr>
-          <p:cNvPr id="6" name="Picture 5"/>
-          <p:cNvPicPr>
-            <a:picLocks noChangeAspect="1"/>
-          </p:cNvPicPr>
-          <p:nvPr/>
-        </p:nvPicPr>
-        <p:blipFill>
-          <a:blip r:embed="rId2"/>
-          <a:stretch>
-            <a:fillRect/>
-          </a:stretch>
-        </p:blipFill>
-        <p:spPr>
-          <a:xfrm>
-            <a:off x="4688680" y="3165231"/>
-            <a:ext cx="7387554" cy="3611300"/>
-          </a:xfrm>
-          <a:prstGeom prst="rect">
-            <a:avLst/>
-          </a:prstGeom>
-        </p:spPr>
-      </p:pic>
       <p:sp>
         <p:nvSpPr>
           <p:cNvPr id="2" name="Title 1"/>
@@ -3589,14 +4037,14 @@
           <a:p>
             <a:r>
               <a:rPr lang="pt-BR" dirty="0"/>
-              <a:t>Overview</a:t>
-            </a:r>
-          </a:p>
-        </p:txBody>
-      </p:sp>
-      <p:sp>
-        <p:nvSpPr>
-          <p:cNvPr id="5" name="Content Placeholder 4"/>
+              <a:t>Ontologies Related Work</a:t>
+            </a:r>
+          </a:p>
+        </p:txBody>
+      </p:sp>
+      <p:sp>
+        <p:nvSpPr>
+          <p:cNvPr id="3" name="Content Placeholder 2"/>
           <p:cNvSpPr>
             <a:spLocks noGrp="1"/>
           </p:cNvSpPr>
@@ -3604,69 +4052,25 @@
             <p:ph idx="1"/>
           </p:nvPr>
         </p:nvSpPr>
-        <p:spPr>
-          <a:xfrm>
-            <a:off x="823546" y="1843209"/>
-            <a:ext cx="10515600" cy="4351338"/>
-          </a:xfrm>
-        </p:spPr>
-        <p:txBody>
-          <a:bodyPr/>
-          <a:lstStyle/>
-          <a:p>
-            <a:r>
-              <a:rPr lang="pt-BR" dirty="0"/>
-              <a:t>Object Representation as Features</a:t>
-            </a:r>
-          </a:p>
-          <a:p>
-            <a:r>
-              <a:rPr lang="pt-BR" dirty="0"/>
-              <a:t>Object Hierarchy:</a:t>
-            </a:r>
-          </a:p>
-          <a:p>
-            <a:pPr lvl="1"/>
-            <a:r>
-              <a:rPr lang="pt-BR" dirty="0"/>
-              <a:t>Landmarks</a:t>
-            </a:r>
-          </a:p>
-          <a:p>
-            <a:pPr lvl="1"/>
-            <a:r>
-              <a:rPr lang="pt-BR" dirty="0"/>
-              <a:t>Obstacles</a:t>
-            </a:r>
-          </a:p>
-          <a:p>
-            <a:r>
-              <a:rPr lang="pt-BR" dirty="0"/>
-              <a:t>Computer Vision Algorithms</a:t>
-            </a:r>
-          </a:p>
-          <a:p>
-            <a:pPr lvl="1"/>
-            <a:r>
-              <a:rPr lang="pt-BR" dirty="0"/>
-              <a:t>Extraction</a:t>
-            </a:r>
-          </a:p>
-          <a:p>
-            <a:pPr lvl="1"/>
-            <a:r>
-              <a:rPr lang="pt-BR" dirty="0"/>
-              <a:t>Detection</a:t>
-            </a:r>
-          </a:p>
-          <a:p>
-            <a:pPr lvl="1"/>
-            <a:r>
-              <a:rPr lang="pt-BR" dirty="0"/>
-              <a:t>Recognition</a:t>
-            </a:r>
-          </a:p>
-          <a:p>
+        <p:spPr/>
+        <p:txBody>
+          <a:bodyPr/>
+          <a:lstStyle/>
+          <a:p>
+            <a:r>
+              <a:rPr lang="en-US" dirty="0"/>
+              <a:t>Romero Et Al 2011 proposed a computer vision framework that relies on an ontology based scene representation model for tracking objects in video</a:t>
+            </a:r>
+          </a:p>
+          <a:p>
+            <a:r>
+              <a:rPr lang="en-US" dirty="0" err="1"/>
+              <a:t>Sriharee</a:t>
+            </a:r>
+            <a:r>
+              <a:rPr lang="en-US" dirty="0"/>
+              <a:t> 2015 proposed a method for capturing and creating symbolic information of spatial objects for indoor navigation</a:t>
+            </a:r>
             <a:endParaRPr lang="pt-BR" dirty="0"/>
           </a:p>
         </p:txBody>
@@ -3674,7 +4078,7 @@
     </p:spTree>
     <p:extLst>
       <p:ext uri="{BB962C8B-B14F-4D97-AF65-F5344CB8AC3E}">
-        <p14:creationId xmlns:p14="http://schemas.microsoft.com/office/powerpoint/2010/main" val="3940252836"/>
+        <p14:creationId xmlns:p14="http://schemas.microsoft.com/office/powerpoint/2010/main" val="3324342331"/>
       </p:ext>
     </p:extLst>
   </p:cSld>
@@ -3717,35 +4121,45 @@
           <a:lstStyle/>
           <a:p>
             <a:r>
-              <a:rPr lang="pt-BR" dirty="0"/>
-              <a:t>Ontologies as Related Work</a:t>
-            </a:r>
-          </a:p>
-        </p:txBody>
-      </p:sp>
-      <p:sp>
-        <p:nvSpPr>
-          <p:cNvPr id="3" name="Content Placeholder 2"/>
-          <p:cNvSpPr>
-            <a:spLocks noGrp="1"/>
-          </p:cNvSpPr>
-          <p:nvPr>
-            <p:ph idx="1"/>
-          </p:nvPr>
-        </p:nvSpPr>
-        <p:spPr/>
-        <p:txBody>
-          <a:bodyPr/>
-          <a:lstStyle/>
-          <a:p>
-            <a:endParaRPr lang="pt-BR"/>
-          </a:p>
-        </p:txBody>
-      </p:sp>
+              <a:rPr lang="en-US" dirty="0" err="1"/>
+              <a:t>Sriharee</a:t>
+            </a:r>
+            <a:r>
+              <a:rPr lang="en-US" dirty="0"/>
+              <a:t> 2015 – Spatial Information Ontology</a:t>
+            </a:r>
+            <a:endParaRPr lang="pt-BR" dirty="0"/>
+          </a:p>
+        </p:txBody>
+      </p:sp>
+      <p:pic>
+        <p:nvPicPr>
+          <p:cNvPr id="4" name="Picture 3"/>
+          <p:cNvPicPr>
+            <a:picLocks noChangeAspect="1"/>
+          </p:cNvPicPr>
+          <p:nvPr/>
+        </p:nvPicPr>
+        <p:blipFill>
+          <a:blip r:embed="rId2"/>
+          <a:stretch>
+            <a:fillRect/>
+          </a:stretch>
+        </p:blipFill>
+        <p:spPr>
+          <a:xfrm>
+            <a:off x="1328338" y="1825625"/>
+            <a:ext cx="9116923" cy="4628056"/>
+          </a:xfrm>
+          <a:prstGeom prst="rect">
+            <a:avLst/>
+          </a:prstGeom>
+        </p:spPr>
+      </p:pic>
     </p:spTree>
     <p:extLst>
       <p:ext uri="{BB962C8B-B14F-4D97-AF65-F5344CB8AC3E}">
-        <p14:creationId xmlns:p14="http://schemas.microsoft.com/office/powerpoint/2010/main" val="3324342331"/>
+        <p14:creationId xmlns:p14="http://schemas.microsoft.com/office/powerpoint/2010/main" val="296657120"/>
       </p:ext>
     </p:extLst>
   </p:cSld>
@@ -3788,9 +4202,10 @@
           <a:lstStyle/>
           <a:p>
             <a:r>
-              <a:rPr lang="pt-BR" dirty="0"/>
-              <a:t>Proposed Ontology</a:t>
-            </a:r>
+              <a:rPr lang="en-US" dirty="0"/>
+              <a:t>Romero Et Al 2011</a:t>
+            </a:r>
+            <a:endParaRPr lang="pt-BR" dirty="0"/>
           </a:p>
         </p:txBody>
       </p:sp>
@@ -3804,19 +4219,69 @@
             <p:ph idx="1"/>
           </p:nvPr>
         </p:nvSpPr>
-        <p:spPr/>
-        <p:txBody>
-          <a:bodyPr/>
-          <a:lstStyle/>
-          <a:p>
-            <a:endParaRPr lang="pt-BR"/>
-          </a:p>
-        </p:txBody>
-      </p:sp>
+        <p:spPr>
+          <a:xfrm>
+            <a:off x="838200" y="1825625"/>
+            <a:ext cx="6685084" cy="4351338"/>
+          </a:xfrm>
+        </p:spPr>
+        <p:txBody>
+          <a:bodyPr/>
+          <a:lstStyle/>
+          <a:p>
+            <a:r>
+              <a:rPr lang="pt-BR" dirty="0"/>
+              <a:t>Several Ontologies for tracking the objects in the videos;</a:t>
+            </a:r>
+          </a:p>
+          <a:p>
+            <a:r>
+              <a:rPr lang="pt-BR" dirty="0"/>
+              <a:t>Generally object knowledge is represented by TREN and SCOB ontologies;</a:t>
+            </a:r>
+          </a:p>
+          <a:p>
+            <a:r>
+              <a:rPr lang="pt-BR" dirty="0"/>
+              <a:t>Algo object representation there’s a specific domain ontology called SURV which is a specialization of the SCOB ontology</a:t>
+            </a:r>
+          </a:p>
+          <a:p>
+            <a:r>
+              <a:rPr lang="pt-BR" dirty="0"/>
+              <a:t>It defines a Mirror class which is specialized from StaticObject</a:t>
+            </a:r>
+          </a:p>
+        </p:txBody>
+      </p:sp>
+      <p:pic>
+        <p:nvPicPr>
+          <p:cNvPr id="4" name="Picture 3"/>
+          <p:cNvPicPr>
+            <a:picLocks noChangeAspect="1"/>
+          </p:cNvPicPr>
+          <p:nvPr/>
+        </p:nvPicPr>
+        <p:blipFill>
+          <a:blip r:embed="rId2"/>
+          <a:stretch>
+            <a:fillRect/>
+          </a:stretch>
+        </p:blipFill>
+        <p:spPr>
+          <a:xfrm>
+            <a:off x="7523284" y="114301"/>
+            <a:ext cx="4419760" cy="6646985"/>
+          </a:xfrm>
+          <a:prstGeom prst="rect">
+            <a:avLst/>
+          </a:prstGeom>
+        </p:spPr>
+      </p:pic>
     </p:spTree>
     <p:extLst>
       <p:ext uri="{BB962C8B-B14F-4D97-AF65-F5344CB8AC3E}">
-        <p14:creationId xmlns:p14="http://schemas.microsoft.com/office/powerpoint/2010/main" val="472505819"/>
+        <p14:creationId xmlns:p14="http://schemas.microsoft.com/office/powerpoint/2010/main" val="735995785"/>
       </p:ext>
     </p:extLst>
   </p:cSld>
@@ -3843,6 +4308,30 @@
           <a:chExt cx="0" cy="0"/>
         </a:xfrm>
       </p:grpSpPr>
+      <p:pic>
+        <p:nvPicPr>
+          <p:cNvPr id="6" name="Picture 5"/>
+          <p:cNvPicPr>
+            <a:picLocks noChangeAspect="1"/>
+          </p:cNvPicPr>
+          <p:nvPr/>
+        </p:nvPicPr>
+        <p:blipFill>
+          <a:blip r:embed="rId2"/>
+          <a:stretch>
+            <a:fillRect/>
+          </a:stretch>
+        </p:blipFill>
+        <p:spPr>
+          <a:xfrm>
+            <a:off x="4688680" y="3165231"/>
+            <a:ext cx="7387554" cy="3611300"/>
+          </a:xfrm>
+          <a:prstGeom prst="rect">
+            <a:avLst/>
+          </a:prstGeom>
+        </p:spPr>
+      </p:pic>
       <p:sp>
         <p:nvSpPr>
           <p:cNvPr id="2" name="Title 1"/>
@@ -3860,14 +4349,14 @@
           <a:p>
             <a:r>
               <a:rPr lang="pt-BR" dirty="0"/>
-              <a:t>Conclusion</a:t>
-            </a:r>
-          </a:p>
-        </p:txBody>
-      </p:sp>
-      <p:sp>
-        <p:nvSpPr>
-          <p:cNvPr id="3" name="Content Placeholder 2"/>
+              <a:t>Overview</a:t>
+            </a:r>
+          </a:p>
+        </p:txBody>
+      </p:sp>
+      <p:sp>
+        <p:nvSpPr>
+          <p:cNvPr id="5" name="Content Placeholder 4"/>
           <p:cNvSpPr>
             <a:spLocks noGrp="1"/>
           </p:cNvSpPr>
@@ -3875,19 +4364,97 @@
             <p:ph idx="1"/>
           </p:nvPr>
         </p:nvSpPr>
-        <p:spPr/>
-        <p:txBody>
-          <a:bodyPr/>
-          <a:lstStyle/>
-          <a:p>
-            <a:endParaRPr lang="pt-BR"/>
+        <p:spPr>
+          <a:xfrm>
+            <a:off x="823546" y="1843209"/>
+            <a:ext cx="10515600" cy="4351338"/>
+          </a:xfrm>
+        </p:spPr>
+        <p:txBody>
+          <a:bodyPr>
+            <a:normAutofit lnSpcReduction="10000"/>
+          </a:bodyPr>
+          <a:lstStyle/>
+          <a:p>
+            <a:r>
+              <a:rPr lang="pt-BR" dirty="0"/>
+              <a:t>Object Representation as Features</a:t>
+            </a:r>
+          </a:p>
+          <a:p>
+            <a:pPr lvl="1"/>
+            <a:r>
+              <a:rPr lang="pt-BR" dirty="0"/>
+              <a:t>Colors</a:t>
+            </a:r>
+          </a:p>
+          <a:p>
+            <a:pPr lvl="1"/>
+            <a:r>
+              <a:rPr lang="pt-BR" dirty="0"/>
+              <a:t>Shapes</a:t>
+            </a:r>
+          </a:p>
+          <a:p>
+            <a:pPr lvl="1"/>
+            <a:r>
+              <a:rPr lang="pt-BR" dirty="0"/>
+              <a:t>Edges</a:t>
+            </a:r>
+          </a:p>
+          <a:p>
+            <a:r>
+              <a:rPr lang="pt-BR" dirty="0"/>
+              <a:t>Object Hierarchy:</a:t>
+            </a:r>
+          </a:p>
+          <a:p>
+            <a:pPr lvl="1"/>
+            <a:r>
+              <a:rPr lang="pt-BR" dirty="0"/>
+              <a:t>Landmarks</a:t>
+            </a:r>
+          </a:p>
+          <a:p>
+            <a:pPr lvl="1"/>
+            <a:r>
+              <a:rPr lang="pt-BR" dirty="0"/>
+              <a:t>Obstacles</a:t>
+            </a:r>
+          </a:p>
+          <a:p>
+            <a:r>
+              <a:rPr lang="pt-BR" dirty="0"/>
+              <a:t>Computer Vision Algorithms</a:t>
+            </a:r>
+          </a:p>
+          <a:p>
+            <a:pPr lvl="1"/>
+            <a:r>
+              <a:rPr lang="pt-BR" dirty="0"/>
+              <a:t>Extraction</a:t>
+            </a:r>
+          </a:p>
+          <a:p>
+            <a:pPr lvl="1"/>
+            <a:r>
+              <a:rPr lang="pt-BR" dirty="0"/>
+              <a:t>Detection</a:t>
+            </a:r>
+          </a:p>
+          <a:p>
+            <a:pPr lvl="1"/>
+            <a:r>
+              <a:rPr lang="pt-BR" dirty="0"/>
+              <a:t>Recognition</a:t>
+            </a:r>
           </a:p>
         </p:txBody>
       </p:sp>
     </p:spTree>
     <p:extLst>
       <p:ext uri="{BB962C8B-B14F-4D97-AF65-F5344CB8AC3E}">
-        <p14:creationId xmlns:p14="http://schemas.microsoft.com/office/powerpoint/2010/main" val="666543263"/>
+        <p14:creationId xmlns:p14="http://schemas.microsoft.com/office/powerpoint/2010/main" val="3940252836"/>
       </p:ext>
     </p:extLst>
   </p:cSld>

--- a/presentation.pptx
+++ b/presentation.pptx
@@ -17,8 +17,9 @@
     <p:sldId id="262" r:id="rId11"/>
     <p:sldId id="269" r:id="rId12"/>
     <p:sldId id="268" r:id="rId13"/>
-    <p:sldId id="263" r:id="rId14"/>
-    <p:sldId id="264" r:id="rId15"/>
+    <p:sldId id="270" r:id="rId14"/>
+    <p:sldId id="263" r:id="rId15"/>
+    <p:sldId id="264" r:id="rId16"/>
   </p:sldIdLst>
   <p:sldSz cx="12192000" cy="6858000"/>
   <p:notesSz cx="6858000" cy="9144000"/>
@@ -256,7 +257,7 @@
           <a:p>
             <a:fld id="{7B2A7C00-A89B-41A2-956D-1EAEE375A2C7}" type="datetimeFigureOut">
               <a:rPr lang="pt-BR" smtClean="0"/>
-              <a:t>27/06/2016</a:t>
+              <a:t>06/07/2016</a:t>
             </a:fld>
             <a:endParaRPr lang="pt-BR"/>
           </a:p>
@@ -426,7 +427,7 @@
           <a:p>
             <a:fld id="{7B2A7C00-A89B-41A2-956D-1EAEE375A2C7}" type="datetimeFigureOut">
               <a:rPr lang="pt-BR" smtClean="0"/>
-              <a:t>27/06/2016</a:t>
+              <a:t>06/07/2016</a:t>
             </a:fld>
             <a:endParaRPr lang="pt-BR"/>
           </a:p>
@@ -606,7 +607,7 @@
           <a:p>
             <a:fld id="{7B2A7C00-A89B-41A2-956D-1EAEE375A2C7}" type="datetimeFigureOut">
               <a:rPr lang="pt-BR" smtClean="0"/>
-              <a:t>27/06/2016</a:t>
+              <a:t>06/07/2016</a:t>
             </a:fld>
             <a:endParaRPr lang="pt-BR"/>
           </a:p>
@@ -776,7 +777,7 @@
           <a:p>
             <a:fld id="{7B2A7C00-A89B-41A2-956D-1EAEE375A2C7}" type="datetimeFigureOut">
               <a:rPr lang="pt-BR" smtClean="0"/>
-              <a:t>27/06/2016</a:t>
+              <a:t>06/07/2016</a:t>
             </a:fld>
             <a:endParaRPr lang="pt-BR"/>
           </a:p>
@@ -1022,7 +1023,7 @@
           <a:p>
             <a:fld id="{7B2A7C00-A89B-41A2-956D-1EAEE375A2C7}" type="datetimeFigureOut">
               <a:rPr lang="pt-BR" smtClean="0"/>
-              <a:t>27/06/2016</a:t>
+              <a:t>06/07/2016</a:t>
             </a:fld>
             <a:endParaRPr lang="pt-BR"/>
           </a:p>
@@ -1254,7 +1255,7 @@
           <a:p>
             <a:fld id="{7B2A7C00-A89B-41A2-956D-1EAEE375A2C7}" type="datetimeFigureOut">
               <a:rPr lang="pt-BR" smtClean="0"/>
-              <a:t>27/06/2016</a:t>
+              <a:t>06/07/2016</a:t>
             </a:fld>
             <a:endParaRPr lang="pt-BR"/>
           </a:p>
@@ -1621,7 +1622,7 @@
           <a:p>
             <a:fld id="{7B2A7C00-A89B-41A2-956D-1EAEE375A2C7}" type="datetimeFigureOut">
               <a:rPr lang="pt-BR" smtClean="0"/>
-              <a:t>27/06/2016</a:t>
+              <a:t>06/07/2016</a:t>
             </a:fld>
             <a:endParaRPr lang="pt-BR"/>
           </a:p>
@@ -1739,7 +1740,7 @@
           <a:p>
             <a:fld id="{7B2A7C00-A89B-41A2-956D-1EAEE375A2C7}" type="datetimeFigureOut">
               <a:rPr lang="pt-BR" smtClean="0"/>
-              <a:t>27/06/2016</a:t>
+              <a:t>06/07/2016</a:t>
             </a:fld>
             <a:endParaRPr lang="pt-BR"/>
           </a:p>
@@ -1834,7 +1835,7 @@
           <a:p>
             <a:fld id="{7B2A7C00-A89B-41A2-956D-1EAEE375A2C7}" type="datetimeFigureOut">
               <a:rPr lang="pt-BR" smtClean="0"/>
-              <a:t>27/06/2016</a:t>
+              <a:t>06/07/2016</a:t>
             </a:fld>
             <a:endParaRPr lang="pt-BR"/>
           </a:p>
@@ -2111,7 +2112,7 @@
           <a:p>
             <a:fld id="{7B2A7C00-A89B-41A2-956D-1EAEE375A2C7}" type="datetimeFigureOut">
               <a:rPr lang="pt-BR" smtClean="0"/>
-              <a:t>27/06/2016</a:t>
+              <a:t>06/07/2016</a:t>
             </a:fld>
             <a:endParaRPr lang="pt-BR"/>
           </a:p>
@@ -2364,7 +2365,7 @@
           <a:p>
             <a:fld id="{7B2A7C00-A89B-41A2-956D-1EAEE375A2C7}" type="datetimeFigureOut">
               <a:rPr lang="pt-BR" smtClean="0"/>
-              <a:t>27/06/2016</a:t>
+              <a:t>06/07/2016</a:t>
             </a:fld>
             <a:endParaRPr lang="pt-BR"/>
           </a:p>
@@ -2577,7 +2578,7 @@
           <a:p>
             <a:fld id="{7B2A7C00-A89B-41A2-956D-1EAEE375A2C7}" type="datetimeFigureOut">
               <a:rPr lang="pt-BR" smtClean="0"/>
-              <a:t>27/06/2016</a:t>
+              <a:t>06/07/2016</a:t>
             </a:fld>
             <a:endParaRPr lang="pt-BR"/>
           </a:p>
@@ -3078,25 +3079,35 @@
           </a:p>
         </p:txBody>
       </p:sp>
-      <p:sp>
-        <p:nvSpPr>
-          <p:cNvPr id="3" name="Content Placeholder 2"/>
-          <p:cNvSpPr>
-            <a:spLocks noGrp="1"/>
-          </p:cNvSpPr>
+      <p:pic>
+        <p:nvPicPr>
+          <p:cNvPr id="5" name="Content Placeholder 4"/>
+          <p:cNvPicPr>
+            <a:picLocks noGrp="1" noChangeAspect="1"/>
+          </p:cNvPicPr>
           <p:nvPr>
             <p:ph idx="1"/>
           </p:nvPr>
-        </p:nvSpPr>
-        <p:spPr/>
-        <p:txBody>
-          <a:bodyPr/>
-          <a:lstStyle/>
-          <a:p>
-            <a:endParaRPr lang="pt-BR"/>
-          </a:p>
-        </p:txBody>
-      </p:sp>
+        </p:nvPicPr>
+        <p:blipFill>
+          <a:blip r:embed="rId2">
+            <a:extLst>
+              <a:ext uri="{28A0092B-C50C-407E-A947-70E740481C1C}">
+                <a14:useLocalDpi xmlns:a14="http://schemas.microsoft.com/office/drawing/2010/main" val="0"/>
+              </a:ext>
+            </a:extLst>
+          </a:blip>
+          <a:stretch>
+            <a:fillRect/>
+          </a:stretch>
+        </p:blipFill>
+        <p:spPr>
+          <a:xfrm>
+            <a:off x="3690866" y="1825625"/>
+            <a:ext cx="4810268" cy="4351338"/>
+          </a:xfrm>
+        </p:spPr>
+      </p:pic>
     </p:spTree>
     <p:extLst>
       <p:ext uri="{BB962C8B-B14F-4D97-AF65-F5344CB8AC3E}">
@@ -3144,7 +3155,7 @@
           <a:p>
             <a:r>
               <a:rPr lang="pt-BR" dirty="0"/>
-              <a:t>Object Properties</a:t>
+              <a:t>Object Properties and Rules</a:t>
             </a:r>
           </a:p>
         </p:txBody>
@@ -3166,49 +3177,55 @@
           </a:bodyPr>
           <a:lstStyle/>
           <a:p>
+            <a:pPr marL="0" indent="0" algn="ctr">
+              <a:buNone/>
+            </a:pPr>
+            <a:r>
+              <a:rPr lang="pt-BR" b="1" dirty="0"/>
+              <a:t>Object Properties</a:t>
+            </a:r>
+          </a:p>
+          <a:p>
             <a:r>
               <a:rPr lang="pt-BR" dirty="0"/>
               <a:t>detectFeature (Detect – Feature)</a:t>
             </a:r>
           </a:p>
           <a:p>
-            <a:pPr lvl="1"/>
-            <a:r>
-              <a:rPr lang="pt-BR" dirty="0"/>
-              <a:t>detectColor</a:t>
-            </a:r>
-          </a:p>
-          <a:p>
-            <a:pPr lvl="1"/>
-            <a:r>
-              <a:rPr lang="pt-BR" dirty="0"/>
-              <a:t>detectShapes</a:t>
-            </a:r>
-          </a:p>
-          <a:p>
             <a:r>
               <a:rPr lang="pt-BR" dirty="0"/>
               <a:t>hasFeature (Object – Feature)</a:t>
             </a:r>
           </a:p>
           <a:p>
-            <a:pPr lvl="1"/>
-            <a:r>
-              <a:rPr lang="pt-BR" dirty="0"/>
-              <a:t>hasColor</a:t>
-            </a:r>
-          </a:p>
-          <a:p>
-            <a:pPr lvl="1"/>
-            <a:r>
-              <a:rPr lang="pt-BR" dirty="0"/>
-              <a:t>hasShape</a:t>
-            </a:r>
-          </a:p>
-          <a:p>
-            <a:r>
-              <a:rPr lang="pt-BR" dirty="0"/>
-              <a:t>reconigzes (Recognition – Object)</a:t>
+            <a:r>
+              <a:rPr lang="pt-BR" b="1" i="1" dirty="0"/>
+              <a:t>findObject</a:t>
+            </a:r>
+            <a:r>
+              <a:rPr lang="pt-BR" dirty="0"/>
+              <a:t>(Algorithm – Object)</a:t>
+            </a:r>
+          </a:p>
+          <a:p>
+            <a:pPr marL="0" indent="0" algn="ctr">
+              <a:buNone/>
+            </a:pPr>
+            <a:r>
+              <a:rPr lang="pt-BR" b="1" dirty="0"/>
+              <a:t>Rules</a:t>
+            </a:r>
+          </a:p>
+          <a:p>
+            <a:r>
+              <a:rPr lang="pt-BR" dirty="0"/>
+              <a:t>Algorithm(?a), Feature(?f), Object(?o), detectsFeature(?a, ?f), hasFeature(?o, ?f) -&gt; findsObject(?a, ?o)</a:t>
+            </a:r>
+          </a:p>
+          <a:p>
+            <a:r>
+              <a:rPr lang="pt-BR" dirty="0"/>
+              <a:t>Object(?o), hasFeature(?o, ?f), Information(?f) -&gt; Landmark(?o)</a:t>
             </a:r>
           </a:p>
         </p:txBody>
@@ -3284,7 +3301,7 @@
           <a:p>
             <a:r>
               <a:rPr lang="pt-BR" dirty="0"/>
-              <a:t>Algoritmos conhecidos / utilizados nos trabalhos relacionados</a:t>
+              <a:t>Known computer vision / image processing algorithms</a:t>
             </a:r>
           </a:p>
           <a:p>
@@ -3298,65 +3315,89 @@
             <a:pPr lvl="1"/>
             <a:r>
               <a:rPr lang="pt-BR" dirty="0"/>
-              <a:t>Bag of Visual Words</a:t>
+              <a:t>Hough transforms</a:t>
             </a:r>
           </a:p>
           <a:p>
             <a:pPr lvl="1"/>
             <a:r>
               <a:rPr lang="pt-BR" dirty="0"/>
-              <a:t>Speed up robust features</a:t>
-            </a:r>
-          </a:p>
-          <a:p>
-            <a:r>
-              <a:rPr lang="pt-BR" dirty="0"/>
-              <a:t>Tipos de características distintas</a:t>
+              <a:t>Color or texture detectors</a:t>
+            </a:r>
+          </a:p>
+          <a:p>
+            <a:r>
+              <a:rPr lang="pt-BR" dirty="0"/>
+              <a:t>Features</a:t>
             </a:r>
           </a:p>
           <a:p>
             <a:pPr lvl="1"/>
             <a:r>
               <a:rPr lang="pt-BR" dirty="0"/>
-              <a:t>Bordas</a:t>
+              <a:t>Edges, corners</a:t>
             </a:r>
           </a:p>
           <a:p>
             <a:pPr lvl="1"/>
             <a:r>
               <a:rPr lang="pt-BR" dirty="0"/>
-              <a:t>Uma única cor, várias cores, texturas</a:t>
+              <a:t>Color styles, textures</a:t>
             </a:r>
           </a:p>
           <a:p>
             <a:pPr lvl="1"/>
             <a:r>
               <a:rPr lang="pt-BR" dirty="0"/>
-              <a:t>Formatos, oval, triangular, retangular, etc</a:t>
-            </a:r>
-          </a:p>
-          <a:p>
-            <a:r>
-              <a:rPr lang="pt-BR" dirty="0"/>
-              <a:t>Objetos</a:t>
+              <a:t>Shapes, rectangular, squared</a:t>
+            </a:r>
+          </a:p>
+          <a:p>
+            <a:r>
+              <a:rPr lang="pt-BR" dirty="0"/>
+              <a:t>Objects</a:t>
             </a:r>
           </a:p>
           <a:p>
             <a:pPr lvl="1"/>
             <a:r>
               <a:rPr lang="pt-BR" dirty="0"/>
-              <a:t>Placas de direção, ou nomes de sala</a:t>
+              <a:t>Signs, like warning, or room names</a:t>
             </a:r>
           </a:p>
           <a:p>
             <a:pPr lvl="1"/>
             <a:r>
               <a:rPr lang="pt-BR" dirty="0"/>
-              <a:t>Portas, entre outros</a:t>
-            </a:r>
-          </a:p>
-        </p:txBody>
-      </p:sp>
+              <a:t>Doors, stairs</a:t>
+            </a:r>
+          </a:p>
+        </p:txBody>
+      </p:sp>
+      <p:pic>
+        <p:nvPicPr>
+          <p:cNvPr id="4" name="Picture 3"/>
+          <p:cNvPicPr>
+            <a:picLocks noChangeAspect="1"/>
+          </p:cNvPicPr>
+          <p:nvPr/>
+        </p:nvPicPr>
+        <p:blipFill>
+          <a:blip r:embed="rId2"/>
+          <a:stretch>
+            <a:fillRect/>
+          </a:stretch>
+        </p:blipFill>
+        <p:spPr>
+          <a:xfrm>
+            <a:off x="8698523" y="2452688"/>
+            <a:ext cx="2743200" cy="3724275"/>
+          </a:xfrm>
+          <a:prstGeom prst="rect">
+            <a:avLst/>
+          </a:prstGeom>
+        </p:spPr>
+      </p:pic>
     </p:spTree>
     <p:extLst>
       <p:ext uri="{BB962C8B-B14F-4D97-AF65-F5344CB8AC3E}">
@@ -3404,6 +3445,187 @@
           <a:p>
             <a:r>
               <a:rPr lang="pt-BR" dirty="0"/>
+              <a:t>Questions / Ontology Inferred</a:t>
+            </a:r>
+          </a:p>
+        </p:txBody>
+      </p:sp>
+      <p:sp>
+        <p:nvSpPr>
+          <p:cNvPr id="3" name="Content Placeholder 2"/>
+          <p:cNvSpPr>
+            <a:spLocks noGrp="1"/>
+          </p:cNvSpPr>
+          <p:nvPr>
+            <p:ph idx="1"/>
+          </p:nvPr>
+        </p:nvSpPr>
+        <p:spPr>
+          <a:xfrm>
+            <a:off x="838200" y="1825625"/>
+            <a:ext cx="5527431" cy="4351338"/>
+          </a:xfrm>
+        </p:spPr>
+        <p:txBody>
+          <a:bodyPr/>
+          <a:lstStyle/>
+          <a:p>
+            <a:r>
+              <a:rPr lang="pt-BR" dirty="0"/>
+              <a:t>What objects may be detected by each algorithm</a:t>
+            </a:r>
+          </a:p>
+          <a:p>
+            <a:r>
+              <a:rPr lang="pt-BR" dirty="0"/>
+              <a:t>What objects might be considered landmarks?</a:t>
+            </a:r>
+          </a:p>
+        </p:txBody>
+      </p:sp>
+      <p:pic>
+        <p:nvPicPr>
+          <p:cNvPr id="4" name="Picture 3"/>
+          <p:cNvPicPr>
+            <a:picLocks noChangeAspect="1"/>
+          </p:cNvPicPr>
+          <p:nvPr/>
+        </p:nvPicPr>
+        <p:blipFill>
+          <a:blip r:embed="rId2"/>
+          <a:stretch>
+            <a:fillRect/>
+          </a:stretch>
+        </p:blipFill>
+        <p:spPr>
+          <a:xfrm>
+            <a:off x="9182100" y="1825625"/>
+            <a:ext cx="2171700" cy="3200400"/>
+          </a:xfrm>
+          <a:prstGeom prst="rect">
+            <a:avLst/>
+          </a:prstGeom>
+        </p:spPr>
+      </p:pic>
+      <p:pic>
+        <p:nvPicPr>
+          <p:cNvPr id="5" name="Picture 4"/>
+          <p:cNvPicPr>
+            <a:picLocks noChangeAspect="1"/>
+          </p:cNvPicPr>
+          <p:nvPr/>
+        </p:nvPicPr>
+        <p:blipFill>
+          <a:blip r:embed="rId3"/>
+          <a:stretch>
+            <a:fillRect/>
+          </a:stretch>
+        </p:blipFill>
+        <p:spPr>
+          <a:xfrm>
+            <a:off x="6465277" y="4729087"/>
+            <a:ext cx="2486025" cy="1476375"/>
+          </a:xfrm>
+          <a:prstGeom prst="rect">
+            <a:avLst/>
+          </a:prstGeom>
+        </p:spPr>
+      </p:pic>
+      <p:pic>
+        <p:nvPicPr>
+          <p:cNvPr id="6" name="Picture 5"/>
+          <p:cNvPicPr>
+            <a:picLocks noChangeAspect="1"/>
+          </p:cNvPicPr>
+          <p:nvPr/>
+        </p:nvPicPr>
+        <p:blipFill>
+          <a:blip r:embed="rId4"/>
+          <a:stretch>
+            <a:fillRect/>
+          </a:stretch>
+        </p:blipFill>
+        <p:spPr>
+          <a:xfrm>
+            <a:off x="6496418" y="1825625"/>
+            <a:ext cx="2466975" cy="1685925"/>
+          </a:xfrm>
+          <a:prstGeom prst="rect">
+            <a:avLst/>
+          </a:prstGeom>
+        </p:spPr>
+      </p:pic>
+      <p:pic>
+        <p:nvPicPr>
+          <p:cNvPr id="7" name="Picture 6"/>
+          <p:cNvPicPr>
+            <a:picLocks noChangeAspect="1"/>
+          </p:cNvPicPr>
+          <p:nvPr/>
+        </p:nvPicPr>
+        <p:blipFill>
+          <a:blip r:embed="rId5"/>
+          <a:stretch>
+            <a:fillRect/>
+          </a:stretch>
+        </p:blipFill>
+        <p:spPr>
+          <a:xfrm>
+            <a:off x="6437251" y="3602672"/>
+            <a:ext cx="2657475" cy="1000125"/>
+          </a:xfrm>
+          <a:prstGeom prst="rect">
+            <a:avLst/>
+          </a:prstGeom>
+        </p:spPr>
+      </p:pic>
+    </p:spTree>
+    <p:extLst>
+      <p:ext uri="{BB962C8B-B14F-4D97-AF65-F5344CB8AC3E}">
+        <p14:creationId xmlns:p14="http://schemas.microsoft.com/office/powerpoint/2010/main" val="3324167854"/>
+      </p:ext>
+    </p:extLst>
+  </p:cSld>
+  <p:clrMapOvr>
+    <a:masterClrMapping/>
+  </p:clrMapOvr>
+</p:sld>
+</file>
+
+<file path=ppt/slides/slide14.xml><?xml version="1.0" encoding="utf-8"?>
+<p:sld xmlns:a="http://schemas.openxmlformats.org/drawingml/2006/main" xmlns:r="http://schemas.openxmlformats.org/officeDocument/2006/relationships" xmlns:p="http://schemas.openxmlformats.org/presentationml/2006/main">
+  <p:cSld>
+    <p:spTree>
+      <p:nvGrpSpPr>
+        <p:cNvPr id="1" name=""/>
+        <p:cNvGrpSpPr/>
+        <p:nvPr/>
+      </p:nvGrpSpPr>
+      <p:grpSpPr>
+        <a:xfrm>
+          <a:off x="0" y="0"/>
+          <a:ext cx="0" cy="0"/>
+          <a:chOff x="0" y="0"/>
+          <a:chExt cx="0" cy="0"/>
+        </a:xfrm>
+      </p:grpSpPr>
+      <p:sp>
+        <p:nvSpPr>
+          <p:cNvPr id="2" name="Title 1"/>
+          <p:cNvSpPr>
+            <a:spLocks noGrp="1"/>
+          </p:cNvSpPr>
+          <p:nvPr>
+            <p:ph type="title"/>
+          </p:nvPr>
+        </p:nvSpPr>
+        <p:spPr/>
+        <p:txBody>
+          <a:bodyPr/>
+          <a:lstStyle/>
+          <a:p>
+            <a:r>
+              <a:rPr lang="pt-BR" dirty="0"/>
               <a:t>Conclusion</a:t>
             </a:r>
           </a:p>
@@ -3421,7 +3643,9 @@
         </p:nvSpPr>
         <p:spPr/>
         <p:txBody>
-          <a:bodyPr/>
+          <a:bodyPr>
+            <a:normAutofit lnSpcReduction="10000"/>
+          </a:bodyPr>
           <a:lstStyle/>
           <a:p>
             <a:r>
@@ -3439,6 +3663,18 @@
             <a:r>
               <a:rPr lang="pt-BR" dirty="0"/>
               <a:t>Computer vision tasks are often hard because of different solutions to the same problem which might seem a little confusing</a:t>
+            </a:r>
+          </a:p>
+          <a:p>
+            <a:r>
+              <a:rPr lang="pt-BR" dirty="0"/>
+              <a:t>Computer vision field of research is huge, a complete knowledge base about each thing might be impossible to do</a:t>
+            </a:r>
+          </a:p>
+          <a:p>
+            <a:r>
+              <a:rPr lang="pt-BR" dirty="0"/>
+              <a:t>More general algorithms can simply be used to several different cases of detection</a:t>
             </a:r>
           </a:p>
         </p:txBody>
@@ -3456,7 +3692,7 @@
 </p:sld>
 </file>
 
-<file path=ppt/slides/slide14.xml><?xml version="1.0" encoding="utf-8"?>
+<file path=ppt/slides/slide15.xml><?xml version="1.0" encoding="utf-8"?>
 <p:sld xmlns:a="http://schemas.openxmlformats.org/drawingml/2006/main" xmlns:r="http://schemas.openxmlformats.org/officeDocument/2006/relationships" xmlns:p="http://schemas.openxmlformats.org/presentationml/2006/main">
   <p:cSld>
     <p:spTree>
